--- a/TA 1/intro to python.pptx
+++ b/TA 1/intro to python.pptx
@@ -109,6 +109,11 @@
       </a:defRPr>
     </a:lvl9pPr>
   </p:defaultTextStyle>
+  <p:extLst>
+    <p:ext uri="{EFAFB233-063F-42B5-8137-9DF3F51BA10A}">
+      <p15:sldGuideLst xmlns:p15="http://schemas.microsoft.com/office/powerpoint/2012/main"/>
+    </p:ext>
+  </p:extLst>
 </p:presentation>
 </file>
 
@@ -245,7 +250,7 @@
           <a:p>
             <a:fld id="{A9BFBAF0-297F-4193-8050-29DB9D8BA520}" type="datetimeFigureOut">
               <a:rPr lang="he-IL" smtClean="0"/>
-              <a:t>כ"א/תשרי/תשפ"ד</a:t>
+              <a:t>כ"ב/טבת/תשפ"ד</a:t>
             </a:fld>
             <a:endParaRPr lang="he-IL"/>
           </a:p>
@@ -532,7 +537,7 @@
           <a:p>
             <a:fld id="{A9BFBAF0-297F-4193-8050-29DB9D8BA520}" type="datetimeFigureOut">
               <a:rPr lang="he-IL" smtClean="0"/>
-              <a:t>כ"א/תשרי/תשפ"ד</a:t>
+              <a:t>כ"ב/טבת/תשפ"ד</a:t>
             </a:fld>
             <a:endParaRPr lang="he-IL"/>
           </a:p>
@@ -724,7 +729,7 @@
           <a:p>
             <a:fld id="{A9BFBAF0-297F-4193-8050-29DB9D8BA520}" type="datetimeFigureOut">
               <a:rPr lang="he-IL" smtClean="0"/>
-              <a:t>כ"א/תשרי/תשפ"ד</a:t>
+              <a:t>כ"ב/טבת/תשפ"ד</a:t>
             </a:fld>
             <a:endParaRPr lang="he-IL"/>
           </a:p>
@@ -985,7 +990,7 @@
           <a:p>
             <a:fld id="{A9BFBAF0-297F-4193-8050-29DB9D8BA520}" type="datetimeFigureOut">
               <a:rPr lang="he-IL" smtClean="0"/>
-              <a:t>כ"א/תשרי/תשפ"ד</a:t>
+              <a:t>כ"ב/טבת/תשפ"ד</a:t>
             </a:fld>
             <a:endParaRPr lang="he-IL"/>
           </a:p>
@@ -1409,7 +1414,7 @@
           <a:p>
             <a:fld id="{A9BFBAF0-297F-4193-8050-29DB9D8BA520}" type="datetimeFigureOut">
               <a:rPr lang="he-IL" smtClean="0"/>
-              <a:t>כ"א/תשרי/תשפ"ד</a:t>
+              <a:t>כ"ב/טבת/תשפ"ד</a:t>
             </a:fld>
             <a:endParaRPr lang="he-IL"/>
           </a:p>
@@ -1955,7 +1960,7 @@
           <a:p>
             <a:fld id="{A9BFBAF0-297F-4193-8050-29DB9D8BA520}" type="datetimeFigureOut">
               <a:rPr lang="he-IL" smtClean="0"/>
-              <a:t>כ"א/תשרי/תשפ"ד</a:t>
+              <a:t>כ"ב/טבת/תשפ"ד</a:t>
             </a:fld>
             <a:endParaRPr lang="he-IL"/>
           </a:p>
@@ -2795,7 +2800,7 @@
           <a:p>
             <a:fld id="{A9BFBAF0-297F-4193-8050-29DB9D8BA520}" type="datetimeFigureOut">
               <a:rPr lang="he-IL" smtClean="0"/>
-              <a:t>כ"א/תשרי/תשפ"ד</a:t>
+              <a:t>כ"ב/טבת/תשפ"ד</a:t>
             </a:fld>
             <a:endParaRPr lang="he-IL"/>
           </a:p>
@@ -2965,7 +2970,7 @@
           <a:p>
             <a:fld id="{A9BFBAF0-297F-4193-8050-29DB9D8BA520}" type="datetimeFigureOut">
               <a:rPr lang="he-IL" smtClean="0"/>
-              <a:t>כ"א/תשרי/תשפ"ד</a:t>
+              <a:t>כ"ב/טבת/תשפ"ד</a:t>
             </a:fld>
             <a:endParaRPr lang="he-IL"/>
           </a:p>
@@ -3149,7 +3154,7 @@
           <a:p>
             <a:fld id="{A9BFBAF0-297F-4193-8050-29DB9D8BA520}" type="datetimeFigureOut">
               <a:rPr lang="he-IL" smtClean="0"/>
-              <a:t>כ"א/תשרי/תשפ"ד</a:t>
+              <a:t>כ"ב/טבת/תשפ"ד</a:t>
             </a:fld>
             <a:endParaRPr lang="he-IL"/>
           </a:p>
@@ -3319,7 +3324,7 @@
           <a:p>
             <a:fld id="{A9BFBAF0-297F-4193-8050-29DB9D8BA520}" type="datetimeFigureOut">
               <a:rPr lang="he-IL" smtClean="0"/>
-              <a:t>כ"א/תשרי/תשפ"ד</a:t>
+              <a:t>כ"ב/טבת/תשפ"ד</a:t>
             </a:fld>
             <a:endParaRPr lang="he-IL"/>
           </a:p>
@@ -3567,7 +3572,7 @@
           <a:p>
             <a:fld id="{A9BFBAF0-297F-4193-8050-29DB9D8BA520}" type="datetimeFigureOut">
               <a:rPr lang="he-IL" smtClean="0"/>
-              <a:t>כ"א/תשרי/תשפ"ד</a:t>
+              <a:t>כ"ב/טבת/תשפ"ד</a:t>
             </a:fld>
             <a:endParaRPr lang="he-IL"/>
           </a:p>
@@ -3804,7 +3809,7 @@
           <a:p>
             <a:fld id="{A9BFBAF0-297F-4193-8050-29DB9D8BA520}" type="datetimeFigureOut">
               <a:rPr lang="he-IL" smtClean="0"/>
-              <a:t>כ"א/תשרי/תשפ"ד</a:t>
+              <a:t>כ"ב/טבת/תשפ"ד</a:t>
             </a:fld>
             <a:endParaRPr lang="he-IL"/>
           </a:p>
@@ -4177,7 +4182,7 @@
           <a:p>
             <a:fld id="{A9BFBAF0-297F-4193-8050-29DB9D8BA520}" type="datetimeFigureOut">
               <a:rPr lang="he-IL" smtClean="0"/>
-              <a:t>כ"א/תשרי/תשפ"ד</a:t>
+              <a:t>כ"ב/טבת/תשפ"ד</a:t>
             </a:fld>
             <a:endParaRPr lang="he-IL"/>
           </a:p>
@@ -4295,7 +4300,7 @@
           <a:p>
             <a:fld id="{A9BFBAF0-297F-4193-8050-29DB9D8BA520}" type="datetimeFigureOut">
               <a:rPr lang="he-IL" smtClean="0"/>
-              <a:t>כ"א/תשרי/תשפ"ד</a:t>
+              <a:t>כ"ב/טבת/תשפ"ד</a:t>
             </a:fld>
             <a:endParaRPr lang="he-IL"/>
           </a:p>
@@ -4390,7 +4395,7 @@
           <a:p>
             <a:fld id="{A9BFBAF0-297F-4193-8050-29DB9D8BA520}" type="datetimeFigureOut">
               <a:rPr lang="he-IL" smtClean="0"/>
-              <a:t>כ"א/תשרי/תשפ"ד</a:t>
+              <a:t>כ"ב/טבת/תשפ"ד</a:t>
             </a:fld>
             <a:endParaRPr lang="he-IL"/>
           </a:p>
@@ -4641,7 +4646,7 @@
           <a:p>
             <a:fld id="{A9BFBAF0-297F-4193-8050-29DB9D8BA520}" type="datetimeFigureOut">
               <a:rPr lang="he-IL" smtClean="0"/>
-              <a:t>כ"א/תשרי/תשפ"ד</a:t>
+              <a:t>כ"ב/טבת/תשפ"ד</a:t>
             </a:fld>
             <a:endParaRPr lang="he-IL"/>
           </a:p>
@@ -4928,7 +4933,7 @@
           <a:p>
             <a:fld id="{A9BFBAF0-297F-4193-8050-29DB9D8BA520}" type="datetimeFigureOut">
               <a:rPr lang="he-IL" smtClean="0"/>
-              <a:t>כ"א/תשרי/תשפ"ד</a:t>
+              <a:t>כ"ב/טבת/תשפ"ד</a:t>
             </a:fld>
             <a:endParaRPr lang="he-IL"/>
           </a:p>
@@ -5141,7 +5146,7 @@
           <a:p>
             <a:fld id="{A9BFBAF0-297F-4193-8050-29DB9D8BA520}" type="datetimeFigureOut">
               <a:rPr lang="he-IL" smtClean="0"/>
-              <a:t>כ"א/תשרי/תשפ"ד</a:t>
+              <a:t>כ"ב/טבת/תשפ"ד</a:t>
             </a:fld>
             <a:endParaRPr lang="he-IL"/>
           </a:p>
@@ -5638,7 +5643,12 @@
             <p:ph type="ctrTitle"/>
           </p:nvPr>
         </p:nvSpPr>
-        <p:spPr/>
+        <p:spPr>
+          <a:xfrm>
+            <a:off x="1595269" y="164420"/>
+            <a:ext cx="9001462" cy="2387600"/>
+          </a:xfrm>
+        </p:spPr>
         <p:txBody>
           <a:bodyPr>
             <a:normAutofit/>
@@ -5654,11 +5664,11 @@
               <a:rPr lang="he-IL" cap="none" dirty="0"/>
             </a:br>
             <a:r>
-              <a:rPr lang="he-IL" cap="none" dirty="0" err="1"/>
+              <a:rPr lang="he-IL" cap="none" dirty="0"/>
               <a:t>P</a:t>
             </a:r>
             <a:r>
-              <a:rPr lang="en-US" cap="none" dirty="0" err="1"/>
+              <a:rPr lang="en-US" cap="none" dirty="0"/>
               <a:t>ython</a:t>
             </a:r>
             <a:br>
@@ -6050,12 +6060,8 @@
           <a:p>
             <a:pPr algn="r"/>
             <a:r>
-              <a:rPr lang="he-IL" sz="2400" dirty="0" err="1"/>
-              <a:t>פייתון</a:t>
-            </a:r>
-            <a:r>
               <a:rPr lang="he-IL" sz="2400" dirty="0"/>
-              <a:t> היא שפת תכנות דינמית ופשוטה, הנמצאת בשימוש נרחב בתחום התכנות. </a:t>
+              <a:t>פייתון היא שפת תכנות דינמית ופשוטה, הנמצאת בשימוש נרחב בתחום התכנות. </a:t>
             </a:r>
           </a:p>
           <a:p>
@@ -6069,15 +6075,7 @@
             <a:pPr algn="r"/>
             <a:r>
               <a:rPr lang="he-IL" sz="2400" dirty="0"/>
-              <a:t> המטרה העיקרית של </a:t>
-            </a:r>
-            <a:r>
-              <a:rPr lang="he-IL" sz="2400" dirty="0" err="1"/>
-              <a:t>פייתון</a:t>
-            </a:r>
-            <a:r>
-              <a:rPr lang="he-IL" sz="2400" dirty="0"/>
-              <a:t> היא להקל על התכנות ולעשות את הקוד קריא ופשוט להבנה. בעבור מתכנתים, זה יוצר מהירות בכתיבת הקוד ומפשט את התהליך </a:t>
+              <a:t> המטרה העיקרית של פייתון היא להקל על התכנות ולעשות את הקוד קריא ופשוט להבנה. בעבור מתכנתים, זה יוצר מהירות בכתיבת הקוד ומפשט את התהליך </a:t>
             </a:r>
           </a:p>
         </p:txBody>
@@ -6274,8 +6272,8 @@
               <a:t>מטרות עיקריות של </a:t>
             </a:r>
             <a:r>
-              <a:rPr lang="he-IL" sz="4000" dirty="0" err="1"/>
-              <a:t>פייתון</a:t>
+              <a:rPr lang="en-US" sz="4000" dirty="0"/>
+              <a:t>python</a:t>
             </a:r>
             <a:endParaRPr lang="he-IL" sz="4000" dirty="0"/>
           </a:p>
@@ -6315,21 +6313,21 @@
                 <a:latin typeface="Arial" panose="020B0604020202020204" pitchFamily="34" charset="0"/>
                 <a:cs typeface="Arial" panose="020B0604020202020204" pitchFamily="34" charset="0"/>
               </a:rPr>
-              <a:t>קריאה וקלה להבנה: </a:t>
-            </a:r>
-            <a:r>
-              <a:rPr lang="he-IL" sz="5100" dirty="0" err="1">
-                <a:latin typeface="Arial" panose="020B0604020202020204" pitchFamily="34" charset="0"/>
-                <a:cs typeface="Arial" panose="020B0604020202020204" pitchFamily="34" charset="0"/>
-              </a:rPr>
-              <a:t>פייתון</a:t>
-            </a:r>
+              <a:t>קריאה וקלה להבנה: פייתון מתאפיינת בקוד שקריא ופשוט להבנה. </a:t>
+            </a:r>
+            <a:endParaRPr lang="en-US" sz="5100" dirty="0">
+              <a:latin typeface="Arial" panose="020B0604020202020204" pitchFamily="34" charset="0"/>
+              <a:cs typeface="Arial" panose="020B0604020202020204" pitchFamily="34" charset="0"/>
+            </a:endParaRPr>
+          </a:p>
+          <a:p>
+            <a:pPr marL="742932" indent="-285744" algn="just"/>
             <a:r>
               <a:rPr lang="he-IL" sz="5100" dirty="0">
                 <a:latin typeface="Arial" panose="020B0604020202020204" pitchFamily="34" charset="0"/>
                 <a:cs typeface="Arial" panose="020B0604020202020204" pitchFamily="34" charset="0"/>
               </a:rPr>
-              <a:t> מתאפיינת בקוד שקריא ופשוט להבנה. </a:t>
+              <a:t>דינמיות: פייתון היא שפת תכנות דינמית, שמאשרת התעלמות מטיפוסים במהלך הכתיבה ומאפשרת החלפת טיפוסים במהלך הריצה, מה שמאפשר כתיבת קוד גמיש ומהיר יותר.</a:t>
             </a:r>
             <a:endParaRPr lang="en-US" sz="5100" dirty="0">
               <a:latin typeface="Arial" panose="020B0604020202020204" pitchFamily="34" charset="0"/>
@@ -6343,49 +6341,7 @@
                 <a:latin typeface="Arial" panose="020B0604020202020204" pitchFamily="34" charset="0"/>
                 <a:cs typeface="Arial" panose="020B0604020202020204" pitchFamily="34" charset="0"/>
               </a:rPr>
-              <a:t>דינמיות: </a:t>
-            </a:r>
-            <a:r>
-              <a:rPr lang="he-IL" sz="5100" dirty="0" err="1">
-                <a:latin typeface="Arial" panose="020B0604020202020204" pitchFamily="34" charset="0"/>
-                <a:cs typeface="Arial" panose="020B0604020202020204" pitchFamily="34" charset="0"/>
-              </a:rPr>
-              <a:t>פייתון</a:t>
-            </a:r>
-            <a:r>
-              <a:rPr lang="he-IL" sz="5100" dirty="0">
-                <a:latin typeface="Arial" panose="020B0604020202020204" pitchFamily="34" charset="0"/>
-                <a:cs typeface="Arial" panose="020B0604020202020204" pitchFamily="34" charset="0"/>
-              </a:rPr>
-              <a:t> היא שפת תכנות דינמית, שמאשרת התעלמות מטיפוסים במהלך הכתיבה ומאפשרת החלפת טיפוסים במהלך הריצה, מה שמאפשר כתיבת קוד גמיש ומהיר יותר.</a:t>
-            </a:r>
-            <a:endParaRPr lang="en-US" sz="5100" dirty="0">
-              <a:latin typeface="Arial" panose="020B0604020202020204" pitchFamily="34" charset="0"/>
-              <a:cs typeface="Arial" panose="020B0604020202020204" pitchFamily="34" charset="0"/>
-            </a:endParaRPr>
-          </a:p>
-          <a:p>
-            <a:pPr marL="742932" indent="-285744" algn="just"/>
-            <a:r>
-              <a:rPr lang="he-IL" sz="5100" dirty="0">
-                <a:latin typeface="Arial" panose="020B0604020202020204" pitchFamily="34" charset="0"/>
-                <a:cs typeface="Arial" panose="020B0604020202020204" pitchFamily="34" charset="0"/>
-              </a:rPr>
-              <a:t>מגוון פלטפורמות: </a:t>
-            </a:r>
-            <a:r>
-              <a:rPr lang="he-IL" sz="5100" dirty="0" err="1">
-                <a:latin typeface="Arial" panose="020B0604020202020204" pitchFamily="34" charset="0"/>
-                <a:cs typeface="Arial" panose="020B0604020202020204" pitchFamily="34" charset="0"/>
-              </a:rPr>
-              <a:t>פייתון</a:t>
-            </a:r>
-            <a:r>
-              <a:rPr lang="he-IL" sz="5100" dirty="0">
-                <a:latin typeface="Arial" panose="020B0604020202020204" pitchFamily="34" charset="0"/>
-                <a:cs typeface="Arial" panose="020B0604020202020204" pitchFamily="34" charset="0"/>
-              </a:rPr>
-              <a:t> זמינה על מגוון רחב של מערכות הפעלה ופלטפורמות ויש לה מערכת ניהול חבילות עוצמתית </a:t>
+              <a:t>מגוון פלטפורמות: פייתון זמינה על מגוון רחב של מערכות הפעלה ופלטפורמות ויש לה מערכת ניהול חבילות עוצמתית </a:t>
             </a:r>
             <a:r>
               <a:rPr lang="en-US" sz="5100" dirty="0">
@@ -6413,21 +6369,7 @@
                 <a:latin typeface="Arial" panose="020B0604020202020204" pitchFamily="34" charset="0"/>
                 <a:cs typeface="Arial" panose="020B0604020202020204" pitchFamily="34" charset="0"/>
               </a:rPr>
-              <a:t>מגוון רחב של שימושים: </a:t>
-            </a:r>
-            <a:r>
-              <a:rPr lang="he-IL" sz="5100" dirty="0" err="1">
-                <a:latin typeface="Arial" panose="020B0604020202020204" pitchFamily="34" charset="0"/>
-                <a:cs typeface="Arial" panose="020B0604020202020204" pitchFamily="34" charset="0"/>
-              </a:rPr>
-              <a:t>פייתון</a:t>
-            </a:r>
-            <a:r>
-              <a:rPr lang="he-IL" sz="5100" dirty="0">
-                <a:latin typeface="Arial" panose="020B0604020202020204" pitchFamily="34" charset="0"/>
-                <a:cs typeface="Arial" panose="020B0604020202020204" pitchFamily="34" charset="0"/>
-              </a:rPr>
-              <a:t> מתאימה למגוון רחב של יישומים, כולל פיתוח אפליקציות ואתרי אינטרנט, תכנות מדעי, פיתוח משחקים, תכנות מערכות, תוכנות תחזוקה, ועוד.</a:t>
+              <a:t>מגוון רחב של שימושים: פייתון מתאימה למגוון רחב של יישומים, כולל פיתוח אפליקציות ואתרי אינטרנט, תכנות מדעי, פיתוח משחקים, תכנות מערכות, תוכנות תחזוקה, ועוד.</a:t>
             </a:r>
             <a:endParaRPr lang="en-US" sz="5100" dirty="0">
               <a:latin typeface="Arial" panose="020B0604020202020204" pitchFamily="34" charset="0"/>
@@ -6445,21 +6387,7 @@
                 <a:latin typeface="Arial" panose="020B0604020202020204" pitchFamily="34" charset="0"/>
                 <a:cs typeface="Arial" panose="020B0604020202020204" pitchFamily="34" charset="0"/>
               </a:rPr>
-              <a:t>קהילה רחבה ותמיכה עוצמתית: </a:t>
-            </a:r>
-            <a:r>
-              <a:rPr lang="he-IL" sz="5100" dirty="0" err="1">
-                <a:latin typeface="Arial" panose="020B0604020202020204" pitchFamily="34" charset="0"/>
-                <a:cs typeface="Arial" panose="020B0604020202020204" pitchFamily="34" charset="0"/>
-              </a:rPr>
-              <a:t>פייתון</a:t>
-            </a:r>
-            <a:r>
-              <a:rPr lang="he-IL" sz="5100" dirty="0">
-                <a:latin typeface="Arial" panose="020B0604020202020204" pitchFamily="34" charset="0"/>
-                <a:cs typeface="Arial" panose="020B0604020202020204" pitchFamily="34" charset="0"/>
-              </a:rPr>
-              <a:t> נמצאת בשימוש נרחב עם קהל משתמשים גדול, קהילה פעילה של מפתחים ומשתמשים שמספקים תמיכה, וכמו כן קיימים מגוון ספריות ותוספות תוכנה מוכנות (</a:t>
+              <a:t>קהילה רחבה ותמיכה עוצמתית: פייתון נמצאת בשימוש נרחב עם קהל משתמשים גדול, קהילה פעילה של מפתחים ומשתמשים שמספקים תמיכה, וכמו כן קיימים מגוון ספריות ותוספות תוכנה מוכנות (</a:t>
             </a:r>
             <a:r>
               <a:rPr lang="en-US" sz="5100" dirty="0">
@@ -6619,27 +6547,27 @@
               </a:lnSpc>
             </a:pPr>
             <a:r>
-              <a:rPr lang="he-IL" sz="2200">
+              <a:rPr lang="he-IL" sz="2200" dirty="0">
                 <a:latin typeface="Arial" panose="020B0604020202020204" pitchFamily="34" charset="0"/>
                 <a:cs typeface="Arial" panose="020B0604020202020204" pitchFamily="34" charset="0"/>
               </a:rPr>
               <a:t>בדומה ל</a:t>
             </a:r>
             <a:r>
-              <a:rPr lang="en-US" sz="2200">
+              <a:rPr lang="en-US" sz="2200" dirty="0">
                 <a:latin typeface="Arial" panose="020B0604020202020204" pitchFamily="34" charset="0"/>
                 <a:cs typeface="Arial" panose="020B0604020202020204" pitchFamily="34" charset="0"/>
               </a:rPr>
               <a:t>java </a:t>
             </a:r>
             <a:r>
-              <a:rPr lang="he-IL" sz="2200">
+              <a:rPr lang="he-IL" sz="2200" dirty="0">
                 <a:latin typeface="Arial" panose="020B0604020202020204" pitchFamily="34" charset="0"/>
                 <a:cs typeface="Arial" panose="020B0604020202020204" pitchFamily="34" charset="0"/>
               </a:rPr>
               <a:t> גם פייתון תומכת בתכנות מונחה עצמים ומשתמשת במחלקות ואובייקטים כדי לארגן ולנהל את הקוד.</a:t>
             </a:r>
-            <a:endParaRPr lang="en-US" sz="2200">
+            <a:endParaRPr lang="en-US" sz="2200" dirty="0">
               <a:latin typeface="Arial" panose="020B0604020202020204" pitchFamily="34" charset="0"/>
               <a:cs typeface="Arial" panose="020B0604020202020204" pitchFamily="34" charset="0"/>
             </a:endParaRPr>
@@ -6651,27 +6579,27 @@
               </a:lnSpc>
             </a:pPr>
             <a:r>
-              <a:rPr lang="he-IL" sz="2200">
+              <a:rPr lang="he-IL" sz="2200" dirty="0">
                 <a:latin typeface="Arial" panose="020B0604020202020204" pitchFamily="34" charset="0"/>
                 <a:cs typeface="Arial" panose="020B0604020202020204" pitchFamily="34" charset="0"/>
               </a:rPr>
-              <a:t>בשני השפות נוכל ליצור מחלקות (</a:t>
-            </a:r>
-            <a:r>
-              <a:rPr lang="en-US" sz="2200">
+              <a:t>בשתי השפות נוכל ליצור מחלקות (</a:t>
+            </a:r>
+            <a:r>
+              <a:rPr lang="en-US" sz="2200" dirty="0">
                 <a:latin typeface="Arial" panose="020B0604020202020204" pitchFamily="34" charset="0"/>
                 <a:cs typeface="Arial" panose="020B0604020202020204" pitchFamily="34" charset="0"/>
               </a:rPr>
               <a:t>class</a:t>
             </a:r>
             <a:r>
-              <a:rPr lang="he-IL" sz="2200">
+              <a:rPr lang="he-IL" sz="2200" dirty="0">
                 <a:latin typeface="Arial" panose="020B0604020202020204" pitchFamily="34" charset="0"/>
                 <a:cs typeface="Arial" panose="020B0604020202020204" pitchFamily="34" charset="0"/>
               </a:rPr>
               <a:t>) וליצור אובייקטים מהן, ולהשתמש בתכונות ובשיטות שנמצאות במחלקות בהתאם.</a:t>
             </a:r>
-            <a:endParaRPr lang="en-US" sz="2200">
+            <a:endParaRPr lang="en-US" sz="2200" dirty="0">
               <a:latin typeface="Arial" panose="020B0604020202020204" pitchFamily="34" charset="0"/>
               <a:cs typeface="Arial" panose="020B0604020202020204" pitchFamily="34" charset="0"/>
             </a:endParaRPr>
@@ -6686,20 +6614,20 @@
               </a:spcAft>
             </a:pPr>
             <a:r>
-              <a:rPr lang="he-IL" sz="2200">
+              <a:rPr lang="he-IL" sz="2200" dirty="0">
                 <a:latin typeface="Arial" panose="020B0604020202020204" pitchFamily="34" charset="0"/>
                 <a:cs typeface="Arial" panose="020B0604020202020204" pitchFamily="34" charset="0"/>
               </a:rPr>
               <a:t>פייתון יותר קצרה בפשטות ובירידה לפרטים בהגדרת המחלקות והאובייקטים, ומאפשרת להתמקד יותר במימוש המתודות  והאלגוריתמים</a:t>
             </a:r>
             <a:r>
-              <a:rPr lang="he-IL" sz="1900">
+              <a:rPr lang="he-IL" sz="1900" dirty="0">
                 <a:latin typeface="Arial" panose="020B0604020202020204" pitchFamily="34" charset="0"/>
                 <a:cs typeface="Arial" panose="020B0604020202020204" pitchFamily="34" charset="0"/>
               </a:rPr>
               <a:t>.</a:t>
             </a:r>
-            <a:endParaRPr lang="en-US" sz="1900">
+            <a:endParaRPr lang="en-US" sz="1900" dirty="0">
               <a:latin typeface="Arial" panose="020B0604020202020204" pitchFamily="34" charset="0"/>
               <a:cs typeface="Arial" panose="020B0604020202020204" pitchFamily="34" charset="0"/>
             </a:endParaRPr>
@@ -6907,8 +6835,8 @@
         </p:blipFill>
         <p:spPr>
           <a:xfrm>
-            <a:off x="3331029" y="3940629"/>
-            <a:ext cx="5523041" cy="2917371"/>
+            <a:off x="3331030" y="3875314"/>
+            <a:ext cx="5646692" cy="2982686"/>
           </a:xfrm>
           <a:prstGeom prst="rect">
             <a:avLst/>
